--- a/inst/tempResults/Ahr/Ahr_all.pptx
+++ b/inst/tempResults/Ahr/Ahr_all.pptx
@@ -3805,8 +3805,8 @@
         </p:blipFill>
         <p:spPr>
           <a:xfrm>
-            <a:off x="10095186" y="3579963"/>
-            <a:ext cx="2096814" cy="3145217"/>
+            <a:off x="10095187" y="3579963"/>
+            <a:ext cx="2096811" cy="3145217"/>
           </a:xfrm>
           <a:prstGeom prst="rect">
             <a:avLst/>

--- a/inst/tempResults/Ahr/Ahr_all.pptx
+++ b/inst/tempResults/Ahr/Ahr_all.pptx
@@ -6,8 +6,9 @@
   </p:sldMasterIdLst>
   <p:sldIdLst>
     <p:sldId id="256" r:id="rId2"/>
-    <p:sldId id="258" r:id="rId3"/>
-    <p:sldId id="257" r:id="rId4"/>
+    <p:sldId id="259" r:id="rId3"/>
+    <p:sldId id="258" r:id="rId4"/>
+    <p:sldId id="257" r:id="rId5"/>
   </p:sldIdLst>
   <p:sldSz cx="12192000" cy="6858000"/>
   <p:notesSz cx="6858000" cy="9144000"/>
@@ -3356,7 +3357,7 @@
         </p:blipFill>
         <p:spPr>
           <a:xfrm>
-            <a:off x="7216050" y="3554138"/>
+            <a:off x="7216050" y="3491994"/>
             <a:ext cx="2560455" cy="1828897"/>
           </a:xfrm>
           <a:prstGeom prst="rect">
@@ -3392,7 +3393,7 @@
         </p:blipFill>
         <p:spPr>
           <a:xfrm>
-            <a:off x="9631545" y="3580122"/>
+            <a:off x="9631545" y="3517978"/>
             <a:ext cx="2560455" cy="1828897"/>
           </a:xfrm>
           <a:prstGeom prst="rect">
@@ -3428,7 +3429,7 @@
         </p:blipFill>
         <p:spPr>
           <a:xfrm>
-            <a:off x="0" y="2005677"/>
+            <a:off x="0" y="1943533"/>
             <a:ext cx="7122920" cy="3096922"/>
           </a:xfrm>
           <a:prstGeom prst="rect">
@@ -3464,7 +3465,7 @@
         </p:blipFill>
         <p:spPr>
           <a:xfrm>
-            <a:off x="7509346" y="1742493"/>
+            <a:off x="7509346" y="1680349"/>
             <a:ext cx="4389352" cy="1828897"/>
           </a:xfrm>
           <a:prstGeom prst="rect">
@@ -3507,7 +3508,7 @@
           <p:cNvPr id="4" name="Picture 3">
             <a:extLst>
               <a:ext uri="{FF2B5EF4-FFF2-40B4-BE49-F238E27FC236}">
-                <a16:creationId xmlns:a16="http://schemas.microsoft.com/office/drawing/2014/main" id="{49350BB7-5327-420A-A5B4-5A0FA0E5CEB2}"/>
+                <a16:creationId xmlns:a16="http://schemas.microsoft.com/office/drawing/2014/main" id="{E06454E4-6FE4-4BDB-ABBB-DFCB6B0CFF3B}"/>
               </a:ext>
             </a:extLst>
           </p:cNvPr>
@@ -3517,123 +3518,15 @@
           <p:nvPr/>
         </p:nvPicPr>
         <p:blipFill>
-          <a:blip r:embed="rId2">
-            <a:extLst>
-              <a:ext uri="{28A0092B-C50C-407E-A947-70E740481C1C}">
-                <a14:useLocalDpi xmlns:a14="http://schemas.microsoft.com/office/drawing/2010/main" val="0"/>
-              </a:ext>
-            </a:extLst>
-          </a:blip>
+          <a:blip r:embed="rId2"/>
           <a:stretch>
             <a:fillRect/>
           </a:stretch>
         </p:blipFill>
         <p:spPr>
           <a:xfrm>
-            <a:off x="0" y="517849"/>
-            <a:ext cx="3657607" cy="3048006"/>
-          </a:xfrm>
-          <a:prstGeom prst="rect">
-            <a:avLst/>
-          </a:prstGeom>
-        </p:spPr>
-      </p:pic>
-      <p:pic>
-        <p:nvPicPr>
-          <p:cNvPr id="6" name="Picture 5">
-            <a:extLst>
-              <a:ext uri="{FF2B5EF4-FFF2-40B4-BE49-F238E27FC236}">
-                <a16:creationId xmlns:a16="http://schemas.microsoft.com/office/drawing/2014/main" id="{C9A58455-22B3-4E67-B7A8-A52E7FDEEE51}"/>
-              </a:ext>
-            </a:extLst>
-          </p:cNvPr>
-          <p:cNvPicPr>
-            <a:picLocks noChangeAspect="1"/>
-          </p:cNvPicPr>
-          <p:nvPr/>
-        </p:nvPicPr>
-        <p:blipFill>
-          <a:blip r:embed="rId3">
-            <a:extLst>
-              <a:ext uri="{28A0092B-C50C-407E-A947-70E740481C1C}">
-                <a14:useLocalDpi xmlns:a14="http://schemas.microsoft.com/office/drawing/2010/main" val="0"/>
-              </a:ext>
-            </a:extLst>
-          </a:blip>
-          <a:stretch>
-            <a:fillRect/>
-          </a:stretch>
-        </p:blipFill>
-        <p:spPr>
-          <a:xfrm>
-            <a:off x="3752107" y="516421"/>
-            <a:ext cx="6098868" cy="3049434"/>
-          </a:xfrm>
-          <a:prstGeom prst="rect">
-            <a:avLst/>
-          </a:prstGeom>
-        </p:spPr>
-      </p:pic>
-      <p:pic>
-        <p:nvPicPr>
-          <p:cNvPr id="8" name="Picture 7">
-            <a:extLst>
-              <a:ext uri="{FF2B5EF4-FFF2-40B4-BE49-F238E27FC236}">
-                <a16:creationId xmlns:a16="http://schemas.microsoft.com/office/drawing/2014/main" id="{D7984FC0-F6DB-43CF-B867-7B5705C7310B}"/>
-              </a:ext>
-            </a:extLst>
-          </p:cNvPr>
-          <p:cNvPicPr>
-            <a:picLocks noChangeAspect="1"/>
-          </p:cNvPicPr>
-          <p:nvPr/>
-        </p:nvPicPr>
-        <p:blipFill>
-          <a:blip r:embed="rId4">
-            <a:extLst>
-              <a:ext uri="{28A0092B-C50C-407E-A947-70E740481C1C}">
-                <a14:useLocalDpi xmlns:a14="http://schemas.microsoft.com/office/drawing/2010/main" val="0"/>
-              </a:ext>
-            </a:extLst>
-          </a:blip>
-          <a:stretch>
-            <a:fillRect/>
-          </a:stretch>
-        </p:blipFill>
-        <p:spPr>
-          <a:xfrm>
-            <a:off x="9945476" y="516421"/>
-            <a:ext cx="2032956" cy="3049434"/>
-          </a:xfrm>
-          <a:prstGeom prst="rect">
-            <a:avLst/>
-          </a:prstGeom>
-        </p:spPr>
-      </p:pic>
-      <p:pic>
-        <p:nvPicPr>
-          <p:cNvPr id="9" name="Picture 8">
-            <a:extLst>
-              <a:ext uri="{FF2B5EF4-FFF2-40B4-BE49-F238E27FC236}">
-                <a16:creationId xmlns:a16="http://schemas.microsoft.com/office/drawing/2014/main" id="{06E3B53E-1381-4755-8C31-F1A6200C2069}"/>
-              </a:ext>
-            </a:extLst>
-          </p:cNvPr>
-          <p:cNvPicPr>
-            <a:picLocks noChangeAspect="1"/>
-          </p:cNvPicPr>
-          <p:nvPr/>
-        </p:nvPicPr>
-        <p:blipFill>
-          <a:blip r:embed="rId5"/>
-          <a:stretch>
-            <a:fillRect/>
-          </a:stretch>
-        </p:blipFill>
-        <p:spPr>
-          <a:xfrm>
-            <a:off x="135147" y="4224613"/>
-            <a:ext cx="5960853" cy="1566988"/>
+            <a:off x="4583470" y="3743283"/>
+            <a:ext cx="7383629" cy="1786159"/>
           </a:xfrm>
           <a:prstGeom prst="rect">
             <a:avLst/>
@@ -3645,7 +3538,7 @@
           <p:cNvPr id="5" name="Picture 4">
             <a:extLst>
               <a:ext uri="{FF2B5EF4-FFF2-40B4-BE49-F238E27FC236}">
-                <a16:creationId xmlns:a16="http://schemas.microsoft.com/office/drawing/2014/main" id="{49C59B75-16D1-47FC-A3A2-14E374A0CC5C}"/>
+                <a16:creationId xmlns:a16="http://schemas.microsoft.com/office/drawing/2014/main" id="{B09CE5F8-1779-4855-87B8-9312A63A1171}"/>
               </a:ext>
             </a:extLst>
           </p:cNvPr>
@@ -3655,57 +3548,15 @@
           <p:nvPr/>
         </p:nvPicPr>
         <p:blipFill>
-          <a:blip r:embed="rId6">
-            <a:extLst>
-              <a:ext uri="{28A0092B-C50C-407E-A947-70E740481C1C}">
-                <a14:useLocalDpi xmlns:a14="http://schemas.microsoft.com/office/drawing/2010/main" val="0"/>
-              </a:ext>
-            </a:extLst>
-          </a:blip>
+          <a:blip r:embed="rId3"/>
           <a:stretch>
             <a:fillRect/>
           </a:stretch>
         </p:blipFill>
         <p:spPr>
           <a:xfrm>
-            <a:off x="6095988" y="3809994"/>
-            <a:ext cx="3048006" cy="3048006"/>
-          </a:xfrm>
-          <a:prstGeom prst="rect">
-            <a:avLst/>
-          </a:prstGeom>
-        </p:spPr>
-      </p:pic>
-      <p:pic>
-        <p:nvPicPr>
-          <p:cNvPr id="10" name="Picture 9">
-            <a:extLst>
-              <a:ext uri="{FF2B5EF4-FFF2-40B4-BE49-F238E27FC236}">
-                <a16:creationId xmlns:a16="http://schemas.microsoft.com/office/drawing/2014/main" id="{C357B730-DAA1-4C97-911C-6BB9229BB523}"/>
-              </a:ext>
-            </a:extLst>
-          </p:cNvPr>
-          <p:cNvPicPr>
-            <a:picLocks noChangeAspect="1"/>
-          </p:cNvPicPr>
-          <p:nvPr/>
-        </p:nvPicPr>
-        <p:blipFill>
-          <a:blip r:embed="rId7">
-            <a:extLst>
-              <a:ext uri="{28A0092B-C50C-407E-A947-70E740481C1C}">
-                <a14:useLocalDpi xmlns:a14="http://schemas.microsoft.com/office/drawing/2010/main" val="0"/>
-              </a:ext>
-            </a:extLst>
-          </a:blip>
-          <a:stretch>
-            <a:fillRect/>
-          </a:stretch>
-        </p:blipFill>
-        <p:spPr>
-          <a:xfrm>
-            <a:off x="9143994" y="3809994"/>
-            <a:ext cx="3048006" cy="3048006"/>
+            <a:off x="524080" y="1258801"/>
+            <a:ext cx="9350550" cy="2049958"/>
           </a:xfrm>
           <a:prstGeom prst="rect">
             <a:avLst/>
@@ -3715,7 +3566,7 @@
     </p:spTree>
     <p:extLst>
       <p:ext uri="{BB962C8B-B14F-4D97-AF65-F5344CB8AC3E}">
-        <p14:creationId xmlns:p14="http://schemas.microsoft.com/office/powerpoint/2010/main" val="1543796704"/>
+        <p14:creationId xmlns:p14="http://schemas.microsoft.com/office/powerpoint/2010/main" val="1129522874"/>
       </p:ext>
     </p:extLst>
   </p:cSld>
@@ -3744,10 +3595,10 @@
       </p:grpSpPr>
       <p:pic>
         <p:nvPicPr>
-          <p:cNvPr id="5" name="Picture 4">
-            <a:extLst>
-              <a:ext uri="{FF2B5EF4-FFF2-40B4-BE49-F238E27FC236}">
-                <a16:creationId xmlns:a16="http://schemas.microsoft.com/office/drawing/2014/main" id="{95B7B15B-75A6-489F-96E7-329911BD0A6E}"/>
+          <p:cNvPr id="4" name="Picture 3">
+            <a:extLst>
+              <a:ext uri="{FF2B5EF4-FFF2-40B4-BE49-F238E27FC236}">
+                <a16:creationId xmlns:a16="http://schemas.microsoft.com/office/drawing/2014/main" id="{49350BB7-5327-420A-A5B4-5A0FA0E5CEB2}"/>
               </a:ext>
             </a:extLst>
           </p:cNvPr>
@@ -3756,7 +3607,7 @@
           </p:cNvPicPr>
           <p:nvPr/>
         </p:nvPicPr>
-        <p:blipFill rotWithShape="1">
+        <p:blipFill>
           <a:blip r:embed="rId2">
             <a:extLst>
               <a:ext uri="{28A0092B-C50C-407E-A947-70E740481C1C}">
@@ -3764,13 +3615,14 @@
               </a:ext>
             </a:extLst>
           </a:blip>
-          <a:srcRect r="50978"/>
-          <a:stretch/>
+          <a:stretch>
+            <a:fillRect/>
+          </a:stretch>
         </p:blipFill>
         <p:spPr>
           <a:xfrm>
-            <a:off x="3658096" y="3579963"/>
-            <a:ext cx="3083735" cy="3145217"/>
+            <a:off x="0" y="517849"/>
+            <a:ext cx="3657607" cy="3048006"/>
           </a:xfrm>
           <a:prstGeom prst="rect">
             <a:avLst/>
@@ -3782,7 +3634,7 @@
           <p:cNvPr id="6" name="Picture 5">
             <a:extLst>
               <a:ext uri="{FF2B5EF4-FFF2-40B4-BE49-F238E27FC236}">
-                <a16:creationId xmlns:a16="http://schemas.microsoft.com/office/drawing/2014/main" id="{AC53FA83-4998-4BBC-8E91-C222E44A4CB6}"/>
+                <a16:creationId xmlns:a16="http://schemas.microsoft.com/office/drawing/2014/main" id="{C9A58455-22B3-4E67-B7A8-A52E7FDEEE51}"/>
               </a:ext>
             </a:extLst>
           </p:cNvPr>
@@ -3805,8 +3657,211 @@
         </p:blipFill>
         <p:spPr>
           <a:xfrm>
-            <a:off x="10095187" y="3579963"/>
+            <a:off x="3752107" y="516421"/>
+            <a:ext cx="6098868" cy="3049434"/>
+          </a:xfrm>
+          <a:prstGeom prst="rect">
+            <a:avLst/>
+          </a:prstGeom>
+        </p:spPr>
+      </p:pic>
+      <p:pic>
+        <p:nvPicPr>
+          <p:cNvPr id="9" name="Picture 8">
+            <a:extLst>
+              <a:ext uri="{FF2B5EF4-FFF2-40B4-BE49-F238E27FC236}">
+                <a16:creationId xmlns:a16="http://schemas.microsoft.com/office/drawing/2014/main" id="{06E3B53E-1381-4755-8C31-F1A6200C2069}"/>
+              </a:ext>
+            </a:extLst>
+          </p:cNvPr>
+          <p:cNvPicPr>
+            <a:picLocks noChangeAspect="1"/>
+          </p:cNvPicPr>
+          <p:nvPr/>
+        </p:nvPicPr>
+        <p:blipFill>
+          <a:blip r:embed="rId4"/>
+          <a:stretch>
+            <a:fillRect/>
+          </a:stretch>
+        </p:blipFill>
+        <p:spPr>
+          <a:xfrm>
+            <a:off x="135147" y="4224613"/>
+            <a:ext cx="5960853" cy="1566988"/>
+          </a:xfrm>
+          <a:prstGeom prst="rect">
+            <a:avLst/>
+          </a:prstGeom>
+        </p:spPr>
+      </p:pic>
+      <p:pic>
+        <p:nvPicPr>
+          <p:cNvPr id="5" name="Picture 4">
+            <a:extLst>
+              <a:ext uri="{FF2B5EF4-FFF2-40B4-BE49-F238E27FC236}">
+                <a16:creationId xmlns:a16="http://schemas.microsoft.com/office/drawing/2014/main" id="{49C59B75-16D1-47FC-A3A2-14E374A0CC5C}"/>
+              </a:ext>
+            </a:extLst>
+          </p:cNvPr>
+          <p:cNvPicPr>
+            <a:picLocks noChangeAspect="1"/>
+          </p:cNvPicPr>
+          <p:nvPr/>
+        </p:nvPicPr>
+        <p:blipFill>
+          <a:blip r:embed="rId5">
+            <a:extLst>
+              <a:ext uri="{28A0092B-C50C-407E-A947-70E740481C1C}">
+                <a14:useLocalDpi xmlns:a14="http://schemas.microsoft.com/office/drawing/2010/main" val="0"/>
+              </a:ext>
+            </a:extLst>
+          </a:blip>
+          <a:stretch>
+            <a:fillRect/>
+          </a:stretch>
+        </p:blipFill>
+        <p:spPr>
+          <a:xfrm>
+            <a:off x="6087110" y="3809994"/>
+            <a:ext cx="3048006" cy="3048006"/>
+          </a:xfrm>
+          <a:prstGeom prst="rect">
+            <a:avLst/>
+          </a:prstGeom>
+        </p:spPr>
+      </p:pic>
+      <p:pic>
+        <p:nvPicPr>
+          <p:cNvPr id="10" name="Picture 9">
+            <a:extLst>
+              <a:ext uri="{FF2B5EF4-FFF2-40B4-BE49-F238E27FC236}">
+                <a16:creationId xmlns:a16="http://schemas.microsoft.com/office/drawing/2014/main" id="{C357B730-DAA1-4C97-911C-6BB9229BB523}"/>
+              </a:ext>
+            </a:extLst>
+          </p:cNvPr>
+          <p:cNvPicPr>
+            <a:picLocks noChangeAspect="1"/>
+          </p:cNvPicPr>
+          <p:nvPr/>
+        </p:nvPicPr>
+        <p:blipFill>
+          <a:blip r:embed="rId6">
+            <a:extLst>
+              <a:ext uri="{28A0092B-C50C-407E-A947-70E740481C1C}">
+                <a14:useLocalDpi xmlns:a14="http://schemas.microsoft.com/office/drawing/2010/main" val="0"/>
+              </a:ext>
+            </a:extLst>
+          </a:blip>
+          <a:stretch>
+            <a:fillRect/>
+          </a:stretch>
+        </p:blipFill>
+        <p:spPr>
+          <a:xfrm>
+            <a:off x="9143994" y="3809994"/>
+            <a:ext cx="3048006" cy="3048006"/>
+          </a:xfrm>
+          <a:prstGeom prst="rect">
+            <a:avLst/>
+          </a:prstGeom>
+        </p:spPr>
+      </p:pic>
+      <p:pic>
+        <p:nvPicPr>
+          <p:cNvPr id="11" name="Picture 10">
+            <a:extLst>
+              <a:ext uri="{FF2B5EF4-FFF2-40B4-BE49-F238E27FC236}">
+                <a16:creationId xmlns:a16="http://schemas.microsoft.com/office/drawing/2014/main" id="{B5518589-53E2-4796-B3A1-8CBFB237E0FC}"/>
+              </a:ext>
+            </a:extLst>
+          </p:cNvPr>
+          <p:cNvPicPr>
+            <a:picLocks noChangeAspect="1"/>
+          </p:cNvPicPr>
+          <p:nvPr/>
+        </p:nvPicPr>
+        <p:blipFill>
+          <a:blip r:embed="rId7">
+            <a:extLst>
+              <a:ext uri="{28A0092B-C50C-407E-A947-70E740481C1C}">
+                <a14:useLocalDpi xmlns:a14="http://schemas.microsoft.com/office/drawing/2010/main" val="0"/>
+              </a:ext>
+            </a:extLst>
+          </a:blip>
+          <a:stretch>
+            <a:fillRect/>
+          </a:stretch>
+        </p:blipFill>
+        <p:spPr>
+          <a:xfrm>
+            <a:off x="9786142" y="468529"/>
             <a:ext cx="2096811" cy="3145217"/>
+          </a:xfrm>
+          <a:prstGeom prst="rect">
+            <a:avLst/>
+          </a:prstGeom>
+        </p:spPr>
+      </p:pic>
+    </p:spTree>
+    <p:extLst>
+      <p:ext uri="{BB962C8B-B14F-4D97-AF65-F5344CB8AC3E}">
+        <p14:creationId xmlns:p14="http://schemas.microsoft.com/office/powerpoint/2010/main" val="1543796704"/>
+      </p:ext>
+    </p:extLst>
+  </p:cSld>
+  <p:clrMapOvr>
+    <a:masterClrMapping/>
+  </p:clrMapOvr>
+</p:sld>
+</file>
+
+<file path=ppt/slides/slide4.xml><?xml version="1.0" encoding="utf-8"?>
+<p:sld xmlns:a="http://schemas.openxmlformats.org/drawingml/2006/main" xmlns:r="http://schemas.openxmlformats.org/officeDocument/2006/relationships" xmlns:p="http://schemas.openxmlformats.org/presentationml/2006/main">
+  <p:cSld>
+    <p:spTree>
+      <p:nvGrpSpPr>
+        <p:cNvPr id="1" name=""/>
+        <p:cNvGrpSpPr/>
+        <p:nvPr/>
+      </p:nvGrpSpPr>
+      <p:grpSpPr>
+        <a:xfrm>
+          <a:off x="0" y="0"/>
+          <a:ext cx="0" cy="0"/>
+          <a:chOff x="0" y="0"/>
+          <a:chExt cx="0" cy="0"/>
+        </a:xfrm>
+      </p:grpSpPr>
+      <p:pic>
+        <p:nvPicPr>
+          <p:cNvPr id="5" name="Picture 4">
+            <a:extLst>
+              <a:ext uri="{FF2B5EF4-FFF2-40B4-BE49-F238E27FC236}">
+                <a16:creationId xmlns:a16="http://schemas.microsoft.com/office/drawing/2014/main" id="{95B7B15B-75A6-489F-96E7-329911BD0A6E}"/>
+              </a:ext>
+            </a:extLst>
+          </p:cNvPr>
+          <p:cNvPicPr>
+            <a:picLocks noChangeAspect="1"/>
+          </p:cNvPicPr>
+          <p:nvPr/>
+        </p:nvPicPr>
+        <p:blipFill rotWithShape="1">
+          <a:blip r:embed="rId2">
+            <a:extLst>
+              <a:ext uri="{28A0092B-C50C-407E-A947-70E740481C1C}">
+                <a14:useLocalDpi xmlns:a14="http://schemas.microsoft.com/office/drawing/2010/main" val="0"/>
+              </a:ext>
+            </a:extLst>
+          </a:blip>
+          <a:srcRect r="50978"/>
+          <a:stretch/>
+        </p:blipFill>
+        <p:spPr>
+          <a:xfrm>
+            <a:off x="3658096" y="3579963"/>
+            <a:ext cx="3083735" cy="3145217"/>
           </a:xfrm>
           <a:prstGeom prst="rect">
             <a:avLst/>
@@ -3863,7 +3918,7 @@
           <p:nvPr/>
         </p:nvPicPr>
         <p:blipFill>
-          <a:blip r:embed="rId4">
+          <a:blip r:embed="rId3">
             <a:extLst>
               <a:ext uri="{28A0092B-C50C-407E-A947-70E740481C1C}">
                 <a14:useLocalDpi xmlns:a14="http://schemas.microsoft.com/office/drawing/2010/main" val="0"/>
@@ -3910,7 +3965,7 @@
           <p:nvPr/>
         </p:nvPicPr>
         <p:blipFill>
-          <a:blip r:embed="rId5"/>
+          <a:blip r:embed="rId4"/>
           <a:stretch>
             <a:fillRect/>
           </a:stretch>
@@ -3940,7 +3995,7 @@
           <p:nvPr/>
         </p:nvPicPr>
         <p:blipFill>
-          <a:blip r:embed="rId6">
+          <a:blip r:embed="rId5">
             <a:extLst>
               <a:ext uri="{28A0092B-C50C-407E-A947-70E740481C1C}">
                 <a14:useLocalDpi xmlns:a14="http://schemas.microsoft.com/office/drawing/2010/main" val="0"/>
@@ -3955,6 +4010,42 @@
           <a:xfrm>
             <a:off x="489" y="3628567"/>
             <a:ext cx="3657607" cy="3048006"/>
+          </a:xfrm>
+          <a:prstGeom prst="rect">
+            <a:avLst/>
+          </a:prstGeom>
+        </p:spPr>
+      </p:pic>
+      <p:pic>
+        <p:nvPicPr>
+          <p:cNvPr id="9" name="Picture 8">
+            <a:extLst>
+              <a:ext uri="{FF2B5EF4-FFF2-40B4-BE49-F238E27FC236}">
+                <a16:creationId xmlns:a16="http://schemas.microsoft.com/office/drawing/2014/main" id="{8CB4F30B-03DE-4912-B5BA-1159C2F4C0F8}"/>
+              </a:ext>
+            </a:extLst>
+          </p:cNvPr>
+          <p:cNvPicPr>
+            <a:picLocks noChangeAspect="1"/>
+          </p:cNvPicPr>
+          <p:nvPr/>
+        </p:nvPicPr>
+        <p:blipFill>
+          <a:blip r:embed="rId6">
+            <a:extLst>
+              <a:ext uri="{28A0092B-C50C-407E-A947-70E740481C1C}">
+                <a14:useLocalDpi xmlns:a14="http://schemas.microsoft.com/office/drawing/2010/main" val="0"/>
+              </a:ext>
+            </a:extLst>
+          </a:blip>
+          <a:stretch>
+            <a:fillRect/>
+          </a:stretch>
+        </p:blipFill>
+        <p:spPr>
+          <a:xfrm>
+            <a:off x="9621645" y="3003201"/>
+            <a:ext cx="2569866" cy="3854799"/>
           </a:xfrm>
           <a:prstGeom prst="rect">
             <a:avLst/>
